--- a/week_03/day_3/autocar_ethics.pptx
+++ b/week_03/day_3/autocar_ethics.pptx
@@ -18240,8 +18240,8 @@
         </p:nvSpPr>
         <p:spPr>
           <a:xfrm>
-            <a:off x="1362075" y="718023"/>
-            <a:ext cx="7627546" cy="6294355"/>
+            <a:off x="1362074" y="718023"/>
+            <a:ext cx="8183369" cy="6294355"/>
           </a:xfrm>
         </p:spPr>
         <p:txBody>
@@ -18357,6 +18357,15 @@
                 <a:hlinkClick r:id="rId12"/>
               </a:rPr>
               <a:t>https://www.ntsb.gov/investigations/accidentreports/reports/har1903.pdf</a:t>
+            </a:r>
+            <a:endParaRPr lang="en-ZA" noProof="1"/>
+          </a:p>
+          <a:p>
+            <a:r>
+              <a:rPr lang="en-ZA" noProof="1">
+                <a:hlinkClick r:id="rId13"/>
+              </a:rPr>
+              <a:t>https://s3-eu-west-2.amazonaws.com/lawcom-prod-storage-11jsxou24uy7q/uploads/2022/01/AV-Summary-25-01-22-2.pdf</a:t>
             </a:r>
             <a:endParaRPr lang="en-ZA" noProof="1"/>
           </a:p>
@@ -19203,6 +19212,15 @@
 </file>
 
 <file path=customXml/item1.xml><?xml version="1.0" encoding="utf-8"?>
+<?mso-contentType ?>
+<FormTemplates xmlns="http://schemas.microsoft.com/sharepoint/v3/contenttype/forms">
+  <Display>DocumentLibraryForm</Display>
+  <Edit>DocumentLibraryForm</Edit>
+  <New>DocumentLibraryForm</New>
+</FormTemplates>
+</file>
+
+<file path=customXml/item2.xml><?xml version="1.0" encoding="utf-8"?>
 <p:properties xmlns:p="http://schemas.microsoft.com/office/2006/metadata/properties" xmlns:xsi="http://www.w3.org/2001/XMLSchema-instance" xmlns:pc="http://schemas.microsoft.com/office/infopath/2007/PartnerControls">
   <documentManagement>
     <_ip_UnifiedCompliancePolicyUIAction xmlns="http://schemas.microsoft.com/sharepoint/v3" xsi:nil="true"/>
@@ -19219,15 +19237,6 @@
     <MediaServiceKeyPoints xmlns="71af3243-3dd4-4a8d-8c0d-dd76da1f02a5" xsi:nil="true"/>
   </documentManagement>
 </p:properties>
-</file>
-
-<file path=customXml/item2.xml><?xml version="1.0" encoding="utf-8"?>
-<?mso-contentType ?>
-<FormTemplates xmlns="http://schemas.microsoft.com/sharepoint/v3/contenttype/forms">
-  <Display>DocumentLibraryForm</Display>
-  <Edit>DocumentLibraryForm</Edit>
-  <New>DocumentLibraryForm</New>
-</FormTemplates>
 </file>
 
 <file path=customXml/item3.xml><?xml version="1.0" encoding="utf-8"?>
@@ -19507,6 +19516,14 @@
 </file>
 
 <file path=customXml/itemProps1.xml><?xml version="1.0" encoding="utf-8"?>
+<ds:datastoreItem xmlns:ds="http://schemas.openxmlformats.org/officeDocument/2006/customXml" ds:itemID="{42BC90D6-94CF-42F7-AAC4-9CF6824C54D5}">
+  <ds:schemaRefs>
+    <ds:schemaRef ds:uri="http://schemas.microsoft.com/sharepoint/v3/contenttype/forms"/>
+  </ds:schemaRefs>
+</ds:datastoreItem>
+</file>
+
+<file path=customXml/itemProps2.xml><?xml version="1.0" encoding="utf-8"?>
 <ds:datastoreItem xmlns:ds="http://schemas.openxmlformats.org/officeDocument/2006/customXml" ds:itemID="{7F97B18F-50BC-4F30-8373-93489E845F83}">
   <ds:schemaRefs>
     <ds:schemaRef ds:uri="http://schemas.microsoft.com/office/2006/metadata/properties"/>
@@ -19514,14 +19531,6 @@
     <ds:schemaRef ds:uri="http://schemas.microsoft.com/sharepoint/v3"/>
     <ds:schemaRef ds:uri="71af3243-3dd4-4a8d-8c0d-dd76da1f02a5"/>
     <ds:schemaRef ds:uri="230e9df3-be65-4c73-a93b-d1236ebd677e"/>
-  </ds:schemaRefs>
-</ds:datastoreItem>
-</file>
-
-<file path=customXml/itemProps2.xml><?xml version="1.0" encoding="utf-8"?>
-<ds:datastoreItem xmlns:ds="http://schemas.openxmlformats.org/officeDocument/2006/customXml" ds:itemID="{42BC90D6-94CF-42F7-AAC4-9CF6824C54D5}">
-  <ds:schemaRefs>
-    <ds:schemaRef ds:uri="http://schemas.microsoft.com/sharepoint/v3/contenttype/forms"/>
   </ds:schemaRefs>
 </ds:datastoreItem>
 </file>
